--- a/decorators/docs/decorators.pptx
+++ b/decorators/docs/decorators.pptx
@@ -205,7 +205,7 @@
           <a:p>
             <a:fld id="{A5C20BB3-3CCB-4FE5-991B-82F6BCB48AF3}" type="datetimeFigureOut">
               <a:rPr lang="en-US" smtClean="0"/>
-              <a:t>4/29/24</a:t>
+              <a:t>5/1/24</a:t>
             </a:fld>
             <a:endParaRPr lang="en-US"/>
           </a:p>
@@ -619,7 +619,7 @@
           <a:p>
             <a:fld id="{5D6495F3-B757-4FAF-98AA-EDA7D1485485}" type="datetimeFigureOut">
               <a:rPr lang="en-US" smtClean="0"/>
-              <a:t>4/29/24</a:t>
+              <a:t>5/1/24</a:t>
             </a:fld>
             <a:endParaRPr lang="en-US"/>
           </a:p>
@@ -817,7 +817,7 @@
           <a:p>
             <a:fld id="{5D6495F3-B757-4FAF-98AA-EDA7D1485485}" type="datetimeFigureOut">
               <a:rPr lang="en-US" smtClean="0"/>
-              <a:t>4/29/24</a:t>
+              <a:t>5/1/24</a:t>
             </a:fld>
             <a:endParaRPr lang="en-US"/>
           </a:p>
@@ -1025,7 +1025,7 @@
           <a:p>
             <a:fld id="{5D6495F3-B757-4FAF-98AA-EDA7D1485485}" type="datetimeFigureOut">
               <a:rPr lang="en-US" smtClean="0"/>
-              <a:t>4/29/24</a:t>
+              <a:t>5/1/24</a:t>
             </a:fld>
             <a:endParaRPr lang="en-US"/>
           </a:p>
@@ -1223,7 +1223,7 @@
           <a:p>
             <a:fld id="{5D6495F3-B757-4FAF-98AA-EDA7D1485485}" type="datetimeFigureOut">
               <a:rPr lang="en-US" smtClean="0"/>
-              <a:t>4/29/24</a:t>
+              <a:t>5/1/24</a:t>
             </a:fld>
             <a:endParaRPr lang="en-US"/>
           </a:p>
@@ -1498,7 +1498,7 @@
           <a:p>
             <a:fld id="{5D6495F3-B757-4FAF-98AA-EDA7D1485485}" type="datetimeFigureOut">
               <a:rPr lang="en-US" smtClean="0"/>
-              <a:t>4/29/24</a:t>
+              <a:t>5/1/24</a:t>
             </a:fld>
             <a:endParaRPr lang="en-US"/>
           </a:p>
@@ -1763,7 +1763,7 @@
           <a:p>
             <a:fld id="{5D6495F3-B757-4FAF-98AA-EDA7D1485485}" type="datetimeFigureOut">
               <a:rPr lang="en-US" smtClean="0"/>
-              <a:t>4/29/24</a:t>
+              <a:t>5/1/24</a:t>
             </a:fld>
             <a:endParaRPr lang="en-US"/>
           </a:p>
@@ -2175,7 +2175,7 @@
           <a:p>
             <a:fld id="{5D6495F3-B757-4FAF-98AA-EDA7D1485485}" type="datetimeFigureOut">
               <a:rPr lang="en-US" smtClean="0"/>
-              <a:t>4/29/24</a:t>
+              <a:t>5/1/24</a:t>
             </a:fld>
             <a:endParaRPr lang="en-US"/>
           </a:p>
@@ -2316,7 +2316,7 @@
           <a:p>
             <a:fld id="{5D6495F3-B757-4FAF-98AA-EDA7D1485485}" type="datetimeFigureOut">
               <a:rPr lang="en-US" smtClean="0"/>
-              <a:t>4/29/24</a:t>
+              <a:t>5/1/24</a:t>
             </a:fld>
             <a:endParaRPr lang="en-US"/>
           </a:p>
@@ -2429,7 +2429,7 @@
           <a:p>
             <a:fld id="{5D6495F3-B757-4FAF-98AA-EDA7D1485485}" type="datetimeFigureOut">
               <a:rPr lang="en-US" smtClean="0"/>
-              <a:t>4/29/24</a:t>
+              <a:t>5/1/24</a:t>
             </a:fld>
             <a:endParaRPr lang="en-US"/>
           </a:p>
@@ -2740,7 +2740,7 @@
           <a:p>
             <a:fld id="{5D6495F3-B757-4FAF-98AA-EDA7D1485485}" type="datetimeFigureOut">
               <a:rPr lang="en-US" smtClean="0"/>
-              <a:t>4/29/24</a:t>
+              <a:t>5/1/24</a:t>
             </a:fld>
             <a:endParaRPr lang="en-US"/>
           </a:p>
@@ -3031,7 +3031,7 @@
           <a:p>
             <a:fld id="{5D6495F3-B757-4FAF-98AA-EDA7D1485485}" type="datetimeFigureOut">
               <a:rPr lang="en-US" smtClean="0"/>
-              <a:t>4/29/24</a:t>
+              <a:t>5/1/24</a:t>
             </a:fld>
             <a:endParaRPr lang="en-US"/>
           </a:p>
@@ -3272,7 +3272,7 @@
           <a:p>
             <a:fld id="{5D6495F3-B757-4FAF-98AA-EDA7D1485485}" type="datetimeFigureOut">
               <a:rPr lang="en-US" smtClean="0"/>
-              <a:t>4/29/24</a:t>
+              <a:t>5/1/24</a:t>
             </a:fld>
             <a:endParaRPr lang="en-US"/>
           </a:p>
@@ -4563,7 +4563,7 @@
         </p:nvSpPr>
         <p:spPr>
           <a:xfrm>
-            <a:off x="670560" y="1905506"/>
+            <a:off x="828040" y="1468626"/>
             <a:ext cx="10535920" cy="4154984"/>
           </a:xfrm>
           <a:prstGeom prst="rect">
@@ -4773,7 +4773,7 @@
                 </a:highlight>
                 <a:latin typeface="Söhne"/>
               </a:rPr>
-              <a:t> method. </a:t>
+              <a:t> method.</a:t>
             </a:r>
             <a:endParaRPr lang="en-US" sz="2400" dirty="0"/>
           </a:p>
@@ -4827,7 +4827,7 @@
         <p:spPr>
           <a:xfrm>
             <a:off x="1721854" y="2782669"/>
-            <a:ext cx="8748292" cy="646331"/>
+            <a:ext cx="8761116" cy="1384995"/>
           </a:xfrm>
           <a:prstGeom prst="rect">
             <a:avLst/>
@@ -4844,6 +4844,52 @@
               <a:rPr lang="en-US" sz="3600" dirty="0"/>
               <a:t>Let’s explore some Python built-in decorators.</a:t>
             </a:r>
+          </a:p>
+          <a:p>
+            <a:pPr algn="ctr"/>
+            <a:endParaRPr lang="en-US" sz="2400" dirty="0">
+              <a:solidFill>
+                <a:schemeClr val="bg1">
+                  <a:lumMod val="65000"/>
+                </a:schemeClr>
+              </a:solidFill>
+            </a:endParaRPr>
+          </a:p>
+          <a:p>
+            <a:pPr marL="342900" indent="-342900" algn="ctr">
+              <a:buFont typeface="Wingdings" pitchFamily="2" charset="2"/>
+              <a:buChar char="Ø"/>
+            </a:pPr>
+            <a:r>
+              <a:rPr lang="en-US" sz="2400" dirty="0">
+                <a:solidFill>
+                  <a:schemeClr val="bg1">
+                    <a:lumMod val="65000"/>
+                  </a:schemeClr>
+                </a:solidFill>
+              </a:rPr>
+              <a:t>Go to </a:t>
+            </a:r>
+            <a:r>
+              <a:rPr lang="en-US" sz="2400" dirty="0">
+                <a:solidFill>
+                  <a:schemeClr val="bg1">
+                    <a:lumMod val="65000"/>
+                  </a:schemeClr>
+                </a:solidFill>
+                <a:highlight>
+                  <a:srgbClr val="FFFFFF"/>
+                </a:highlight>
+              </a:rPr>
+              <a:t>Awesome Python Decorator (included in Resources slide)</a:t>
+            </a:r>
+            <a:endParaRPr lang="en-US" sz="2400" dirty="0">
+              <a:solidFill>
+                <a:schemeClr val="bg1">
+                  <a:lumMod val="65000"/>
+                </a:schemeClr>
+              </a:solidFill>
+            </a:endParaRPr>
           </a:p>
         </p:txBody>
       </p:sp>
@@ -4979,7 +5025,7 @@
                   <a:srgbClr val="FFFFFF"/>
                 </a:highlight>
               </a:rPr>
-              <a:t>functools.cache</a:t>
+              <a:t>functools.lru_cache</a:t>
             </a:r>
             <a:r>
               <a:rPr lang="en-US" sz="2400" b="0" i="0" dirty="0">
@@ -4991,7 +5037,7 @@
                   <a:srgbClr val="FFFFFF"/>
                 </a:highlight>
               </a:rPr>
-              <a:t> and </a:t>
+              <a:t>  and </a:t>
             </a:r>
             <a:r>
               <a:rPr lang="en-US" sz="2400" b="0" i="0" dirty="0" err="1">
@@ -5003,7 +5049,7 @@
                   <a:srgbClr val="FFFFFF"/>
                 </a:highlight>
               </a:rPr>
-              <a:t>functools.lru_cache</a:t>
+              <a:t>functools.cache</a:t>
             </a:r>
             <a:r>
               <a:rPr lang="en-US" sz="2400" b="0" i="0" dirty="0">
@@ -5043,10 +5089,7 @@
             </a:r>
           </a:p>
           <a:p>
-            <a:pPr marL="342900" indent="-342900" algn="l">
-              <a:buFont typeface="Wingdings" pitchFamily="2" charset="77"/>
-              <a:buChar char="Ø"/>
-            </a:pPr>
+            <a:pPr algn="l"/>
             <a:endParaRPr lang="en-US" sz="2400" dirty="0">
               <a:solidFill>
                 <a:srgbClr val="0D0D0D"/>
@@ -5189,7 +5232,7 @@
         <p:spPr>
           <a:xfrm>
             <a:off x="1087121" y="766732"/>
-            <a:ext cx="9316719" cy="5324535"/>
+            <a:ext cx="9316719" cy="4893647"/>
           </a:xfrm>
           <a:prstGeom prst="rect">
             <a:avLst/>
@@ -5217,34 +5260,6 @@
             </a:r>
           </a:p>
           <a:p>
-            <a:pPr algn="l"/>
-            <a:endParaRPr lang="en-US" sz="2400" b="0" i="0" dirty="0">
-              <a:solidFill>
-                <a:srgbClr val="0D0D0D"/>
-              </a:solidFill>
-              <a:effectLst/>
-              <a:highlight>
-                <a:srgbClr val="FFFFFF"/>
-              </a:highlight>
-            </a:endParaRPr>
-          </a:p>
-          <a:p>
-            <a:pPr marL="342900" indent="-342900">
-              <a:buFont typeface="Courier New" panose="02070309020205020404" pitchFamily="49" charset="0"/>
-              <a:buChar char="o"/>
-            </a:pPr>
-            <a:r>
-              <a:rPr lang="en-US" sz="2400" i="0" dirty="0" err="1">
-                <a:solidFill>
-                  <a:srgbClr val="0D0D0D"/>
-                </a:solidFill>
-                <a:effectLst/>
-                <a:highlight>
-                  <a:srgbClr val="FFFFFF"/>
-                </a:highlight>
-              </a:rPr>
-              <a:t>functools.cache</a:t>
-            </a:r>
             <a:endParaRPr lang="en-US" sz="2400" dirty="0">
               <a:solidFill>
                 <a:srgbClr val="0D0D0D"/>
@@ -5255,12 +5270,12 @@
             </a:endParaRPr>
           </a:p>
           <a:p>
-            <a:pPr marL="914400" lvl="1" indent="-457200">
-              <a:buFont typeface="Wingdings" pitchFamily="2" charset="77"/>
-              <a:buChar char="§"/>
+            <a:pPr marL="342900" indent="-342900">
+              <a:buFont typeface="Courier New" panose="02070309020205020404" pitchFamily="49" charset="0"/>
+              <a:buChar char="o"/>
             </a:pPr>
             <a:r>
-              <a:rPr lang="en-US" sz="2400" b="0" i="0" dirty="0">
+              <a:rPr lang="en-US" sz="2400" i="0" dirty="0" err="1">
                 <a:solidFill>
                   <a:srgbClr val="0D0D0D"/>
                 </a:solidFill>
@@ -5269,16 +5284,10 @@
                   <a:srgbClr val="FFFFFF"/>
                 </a:highlight>
               </a:rPr>
-              <a:t>It was introduced in Python 3.9.</a:t>
-            </a:r>
-          </a:p>
-          <a:p>
-            <a:pPr marL="914400" lvl="1" indent="-457200">
-              <a:buFont typeface="Wingdings" pitchFamily="2" charset="77"/>
-              <a:buChar char="§"/>
-            </a:pPr>
-            <a:r>
-              <a:rPr lang="en-US" sz="2400" b="0" i="0" dirty="0">
+              <a:t>functools.lru_cache</a:t>
+            </a:r>
+            <a:r>
+              <a:rPr lang="en-US" sz="2400" i="0" dirty="0">
                 <a:solidFill>
                   <a:srgbClr val="0D0D0D"/>
                 </a:solidFill>
@@ -5287,35 +5296,22 @@
                   <a:srgbClr val="FFFFFF"/>
                 </a:highlight>
               </a:rPr>
-              <a:t>It uses an </a:t>
-            </a:r>
-            <a:r>
-              <a:rPr lang="en-US" sz="2400" i="1" dirty="0">
-                <a:solidFill>
-                  <a:schemeClr val="bg1">
-                    <a:lumMod val="65000"/>
-                  </a:schemeClr>
-                </a:solidFill>
-                <a:effectLst/>
-              </a:rPr>
-              <a:t>unbounded</a:t>
+              <a:t> </a:t>
             </a:r>
             <a:r>
               <a:rPr lang="en-US" sz="2400" b="0" i="0" dirty="0">
                 <a:solidFill>
-                  <a:schemeClr val="bg1">
-                    <a:lumMod val="65000"/>
-                  </a:schemeClr>
+                  <a:srgbClr val="0D0D0D"/>
                 </a:solidFill>
                 <a:effectLst/>
                 <a:highlight>
                   <a:srgbClr val="FFFFFF"/>
                 </a:highlight>
               </a:rPr>
-              <a:t> </a:t>
-            </a:r>
-            <a:r>
-              <a:rPr lang="en-US" sz="2400" b="0" i="0" dirty="0">
+              <a:t>(It stands for </a:t>
+            </a:r>
+            <a:r>
+              <a:rPr lang="en-US" sz="2400" b="1" i="0" dirty="0">
                 <a:solidFill>
                   <a:srgbClr val="0D0D0D"/>
                 </a:solidFill>
@@ -5324,24 +5320,7 @@
                   <a:srgbClr val="FFFFFF"/>
                 </a:highlight>
               </a:rPr>
-              <a:t>cache (memorize).</a:t>
-            </a:r>
-          </a:p>
-          <a:p>
-            <a:pPr marL="914400" lvl="1" indent="-457200">
-              <a:buFont typeface="Wingdings" pitchFamily="2" charset="77"/>
-              <a:buChar char="§"/>
-            </a:pPr>
-            <a:r>
-              <a:rPr lang="en-US" sz="2400" dirty="0">
-                <a:solidFill>
-                  <a:srgbClr val="0D0D0D"/>
-                </a:solidFill>
-                <a:highlight>
-                  <a:srgbClr val="FFFFFF"/>
-                </a:highlight>
-              </a:rPr>
-              <a:t>P</a:t>
+              <a:t>L</a:t>
             </a:r>
             <a:r>
               <a:rPr lang="en-US" sz="2400" b="0" i="0" dirty="0">
@@ -5353,10 +5332,142 @@
                   <a:srgbClr val="FFFFFF"/>
                 </a:highlight>
               </a:rPr>
-              <a:t>roviding a simple way to cache function results based on their arguments.</a:t>
-            </a:r>
-          </a:p>
-          <a:p>
+              <a:t>east </a:t>
+            </a:r>
+            <a:r>
+              <a:rPr lang="en-US" sz="2400" b="1" dirty="0">
+                <a:solidFill>
+                  <a:srgbClr val="0D0D0D"/>
+                </a:solidFill>
+                <a:highlight>
+                  <a:srgbClr val="FFFFFF"/>
+                </a:highlight>
+              </a:rPr>
+              <a:t>R</a:t>
+            </a:r>
+            <a:r>
+              <a:rPr lang="en-US" sz="2400" b="0" i="0" dirty="0">
+                <a:solidFill>
+                  <a:srgbClr val="0D0D0D"/>
+                </a:solidFill>
+                <a:effectLst/>
+                <a:highlight>
+                  <a:srgbClr val="FFFFFF"/>
+                </a:highlight>
+              </a:rPr>
+              <a:t>ecently </a:t>
+            </a:r>
+            <a:r>
+              <a:rPr lang="en-US" sz="2400" b="1" dirty="0">
+                <a:solidFill>
+                  <a:srgbClr val="0D0D0D"/>
+                </a:solidFill>
+                <a:highlight>
+                  <a:srgbClr val="FFFFFF"/>
+                </a:highlight>
+              </a:rPr>
+              <a:t>U</a:t>
+            </a:r>
+            <a:r>
+              <a:rPr lang="en-US" sz="2400" b="0" i="0" dirty="0">
+                <a:solidFill>
+                  <a:srgbClr val="0D0D0D"/>
+                </a:solidFill>
+                <a:effectLst/>
+                <a:highlight>
+                  <a:srgbClr val="FFFFFF"/>
+                </a:highlight>
+              </a:rPr>
+              <a:t>sed </a:t>
+            </a:r>
+            <a:r>
+              <a:rPr lang="en-US" sz="2400" dirty="0">
+                <a:solidFill>
+                  <a:srgbClr val="0D0D0D"/>
+                </a:solidFill>
+                <a:highlight>
+                  <a:srgbClr val="FFFFFF"/>
+                </a:highlight>
+              </a:rPr>
+              <a:t>c</a:t>
+            </a:r>
+            <a:r>
+              <a:rPr lang="en-US" sz="2400" b="0" i="0" dirty="0">
+                <a:solidFill>
+                  <a:srgbClr val="0D0D0D"/>
+                </a:solidFill>
+                <a:effectLst/>
+                <a:highlight>
+                  <a:srgbClr val="FFFFFF"/>
+                </a:highlight>
+              </a:rPr>
+              <a:t>ache) </a:t>
+            </a:r>
+          </a:p>
+          <a:p>
+            <a:pPr marL="800100" lvl="1" indent="-342900">
+              <a:buFont typeface="Wingdings" pitchFamily="2" charset="77"/>
+              <a:buChar char="§"/>
+            </a:pPr>
+            <a:r>
+              <a:rPr lang="en-US" sz="2400" b="0" i="0" dirty="0">
+                <a:solidFill>
+                  <a:srgbClr val="0D0D0D"/>
+                </a:solidFill>
+                <a:effectLst/>
+                <a:highlight>
+                  <a:srgbClr val="FFFFFF"/>
+                </a:highlight>
+              </a:rPr>
+              <a:t>It has been available since Python 3.2. </a:t>
+            </a:r>
+          </a:p>
+          <a:p>
+            <a:pPr marL="800100" lvl="1" indent="-342900">
+              <a:buFont typeface="Wingdings" pitchFamily="2" charset="77"/>
+              <a:buChar char="§"/>
+            </a:pPr>
+            <a:r>
+              <a:rPr lang="en-US" sz="2400" b="0" i="0" dirty="0">
+                <a:solidFill>
+                  <a:srgbClr val="0D0D0D"/>
+                </a:solidFill>
+                <a:effectLst/>
+                <a:highlight>
+                  <a:srgbClr val="FFFFFF"/>
+                </a:highlight>
+              </a:rPr>
+              <a:t>It implements a </a:t>
+            </a:r>
+            <a:r>
+              <a:rPr lang="en-US" sz="2400" b="0" i="1" dirty="0">
+                <a:solidFill>
+                  <a:schemeClr val="bg1">
+                    <a:lumMod val="65000"/>
+                  </a:schemeClr>
+                </a:solidFill>
+                <a:effectLst/>
+                <a:highlight>
+                  <a:srgbClr val="FFFFFF"/>
+                </a:highlight>
+              </a:rPr>
+              <a:t>bounded</a:t>
+            </a:r>
+            <a:r>
+              <a:rPr lang="en-US" sz="2400" b="0" i="0" dirty="0">
+                <a:solidFill>
+                  <a:srgbClr val="0D0D0D"/>
+                </a:solidFill>
+                <a:effectLst/>
+                <a:highlight>
+                  <a:srgbClr val="FFFFFF"/>
+                </a:highlight>
+              </a:rPr>
+              <a:t> cache with a maximum size and removes the least recently used items when the cache size exceeds the specified limit.</a:t>
+            </a:r>
+          </a:p>
+          <a:p>
+            <a:pPr lvl="1"/>
             <a:endParaRPr lang="en-US" sz="2400" dirty="0">
               <a:solidFill>
                 <a:srgbClr val="0D0D0D"/>
@@ -5381,10 +5492,24 @@
                   <a:srgbClr val="FFFFFF"/>
                 </a:highlight>
               </a:rPr>
-              <a:t>functools.lru_cache</a:t>
-            </a:r>
-            <a:r>
-              <a:rPr lang="en-US" sz="2400" i="0" dirty="0">
+              <a:t>functools.cache</a:t>
+            </a:r>
+            <a:endParaRPr lang="en-US" sz="2400" dirty="0">
+              <a:solidFill>
+                <a:srgbClr val="0D0D0D"/>
+              </a:solidFill>
+              <a:highlight>
+                <a:srgbClr val="FFFFFF"/>
+              </a:highlight>
+            </a:endParaRPr>
+          </a:p>
+          <a:p>
+            <a:pPr marL="914400" lvl="1" indent="-457200">
+              <a:buFont typeface="Wingdings" pitchFamily="2" charset="77"/>
+              <a:buChar char="§"/>
+            </a:pPr>
+            <a:r>
+              <a:rPr lang="en-US" sz="2400" b="0" i="0" dirty="0">
                 <a:solidFill>
                   <a:srgbClr val="0D0D0D"/>
                 </a:solidFill>
@@ -5393,8 +5518,14 @@
                   <a:srgbClr val="FFFFFF"/>
                 </a:highlight>
               </a:rPr>
-              <a:t> </a:t>
-            </a:r>
+              <a:t>It was introduced in Python 3.9.</a:t>
+            </a:r>
+          </a:p>
+          <a:p>
+            <a:pPr marL="914400" lvl="1" indent="-457200">
+              <a:buFont typeface="Wingdings" pitchFamily="2" charset="77"/>
+              <a:buChar char="§"/>
+            </a:pPr>
             <a:r>
               <a:rPr lang="en-US" sz="2400" b="0" i="0" dirty="0">
                 <a:solidFill>
@@ -5405,37 +5536,33 @@
                   <a:srgbClr val="FFFFFF"/>
                 </a:highlight>
               </a:rPr>
-              <a:t>(Least recently used </a:t>
-            </a:r>
-            <a:r>
-              <a:rPr lang="en-US" sz="2400" dirty="0">
-                <a:solidFill>
-                  <a:srgbClr val="0D0D0D"/>
-                </a:solidFill>
-                <a:highlight>
-                  <a:srgbClr val="FFFFFF"/>
-                </a:highlight>
-              </a:rPr>
-              <a:t>c</a:t>
+              <a:t>It uses an </a:t>
+            </a:r>
+            <a:r>
+              <a:rPr lang="en-US" sz="2400" i="1" dirty="0">
+                <a:solidFill>
+                  <a:schemeClr val="bg1">
+                    <a:lumMod val="65000"/>
+                  </a:schemeClr>
+                </a:solidFill>
+                <a:effectLst/>
+              </a:rPr>
+              <a:t>unbounded</a:t>
             </a:r>
             <a:r>
               <a:rPr lang="en-US" sz="2400" b="0" i="0" dirty="0">
                 <a:solidFill>
-                  <a:srgbClr val="0D0D0D"/>
+                  <a:schemeClr val="bg1">
+                    <a:lumMod val="65000"/>
+                  </a:schemeClr>
                 </a:solidFill>
                 <a:effectLst/>
                 <a:highlight>
                   <a:srgbClr val="FFFFFF"/>
                 </a:highlight>
               </a:rPr>
-              <a:t>ache) </a:t>
-            </a:r>
-          </a:p>
-          <a:p>
-            <a:pPr marL="800100" lvl="1" indent="-342900">
-              <a:buFont typeface="Wingdings" pitchFamily="2" charset="77"/>
-              <a:buChar char="§"/>
-            </a:pPr>
+              <a:t> </a:t>
+            </a:r>
             <a:r>
               <a:rPr lang="en-US" sz="2400" b="0" i="0" dirty="0">
                 <a:solidFill>
@@ -5446,14 +5573,25 @@
                   <a:srgbClr val="FFFFFF"/>
                 </a:highlight>
               </a:rPr>
-              <a:t>It has been available since Python 3.2. </a:t>
-            </a:r>
-          </a:p>
-          <a:p>
-            <a:pPr marL="800100" lvl="1" indent="-342900">
+              <a:t>cache (memorize).</a:t>
+            </a:r>
+          </a:p>
+          <a:p>
+            <a:pPr marL="914400" lvl="1" indent="-457200">
               <a:buFont typeface="Wingdings" pitchFamily="2" charset="77"/>
               <a:buChar char="§"/>
             </a:pPr>
+            <a:r>
+              <a:rPr lang="en-US" sz="2400" dirty="0">
+                <a:solidFill>
+                  <a:srgbClr val="0D0D0D"/>
+                </a:solidFill>
+                <a:highlight>
+                  <a:srgbClr val="FFFFFF"/>
+                </a:highlight>
+              </a:rPr>
+              <a:t>P</a:t>
+            </a:r>
             <a:r>
               <a:rPr lang="en-US" sz="2400" b="0" i="0" dirty="0">
                 <a:solidFill>
@@ -5464,50 +5602,8 @@
                   <a:srgbClr val="FFFFFF"/>
                 </a:highlight>
               </a:rPr>
-              <a:t>It implements a </a:t>
-            </a:r>
-            <a:r>
-              <a:rPr lang="en-US" sz="2400" b="0" i="1" dirty="0">
-                <a:solidFill>
-                  <a:schemeClr val="bg1">
-                    <a:lumMod val="65000"/>
-                  </a:schemeClr>
-                </a:solidFill>
-                <a:effectLst/>
-                <a:highlight>
-                  <a:srgbClr val="FFFFFF"/>
-                </a:highlight>
-              </a:rPr>
-              <a:t>bounded</a:t>
-            </a:r>
-            <a:r>
-              <a:rPr lang="en-US" sz="2400" b="0" i="0" dirty="0">
-                <a:solidFill>
-                  <a:srgbClr val="0D0D0D"/>
-                </a:solidFill>
-                <a:effectLst/>
-                <a:highlight>
-                  <a:srgbClr val="FFFFFF"/>
-                </a:highlight>
-              </a:rPr>
-              <a:t> cache with a maximum size and removes the least recently used items when the cache size exceeds the specified limit.</a:t>
-            </a:r>
-          </a:p>
-          <a:p>
-            <a:pPr marL="457200" indent="-457200" algn="l">
-              <a:buFont typeface="Arial" panose="020B0604020202020204" pitchFamily="34" charset="0"/>
-              <a:buChar char="•"/>
-            </a:pPr>
-            <a:endParaRPr lang="en-US" sz="2800" b="0" i="0" dirty="0">
-              <a:solidFill>
-                <a:srgbClr val="0D0D0D"/>
-              </a:solidFill>
-              <a:effectLst/>
-              <a:highlight>
-                <a:srgbClr val="FFFFFF"/>
-              </a:highlight>
-              <a:latin typeface="Söhne"/>
-            </a:endParaRPr>
+              <a:t>roviding a simple way to cache function results based on their arguments.</a:t>
+            </a:r>
           </a:p>
         </p:txBody>
       </p:sp>
@@ -6015,7 +6111,7 @@
           <a:p>
             <a:r>
               <a:rPr lang="en-US" sz="3600" dirty="0"/>
-              <a:t>Let’s look at some example codes.</a:t>
+              <a:t>Let’s look at some example code.</a:t>
             </a:r>
           </a:p>
         </p:txBody>
